--- a/presentation_payment_method_20240920.pptx
+++ b/presentation_payment_method_20240920.pptx
@@ -361,7 +361,7 @@
             <a:pPr indent="0" algn="r">
               <a:buNone/>
             </a:pPr>
-            <a:fld id="{923123B6-B064-4485-A160-79E7DB2EDF05}" type="slidenum">
+            <a:fld id="{BC855DC7-9F39-4A7C-987A-4474440972F9}" type="slidenum">
               <a:rPr b="0" lang="sv-SE" sz="1400" strike="noStrike" u="none">
                 <a:solidFill>
                   <a:srgbClr val="000000"/>
@@ -385,6 +385,686 @@
   </p:cSld>
   <p:clrMap bg1="lt1" bg2="lt2" tx1="dk1" tx2="dk2" accent1="accent1" accent2="accent2" accent3="accent3" accent4="accent4" accent5="accent5" accent6="accent6" hlink="hlink" folHlink="folHlink"/>
 </p:notesMaster>
+</file>
+
+<file path=ppt/notesSlides/notesSlide1.xml><?xml version="1.0" encoding="utf-8"?>
+<p:notes xmlns:a="http://schemas.openxmlformats.org/drawingml/2006/main" xmlns:p="http://schemas.openxmlformats.org/presentationml/2006/main" xmlns:r="http://schemas.openxmlformats.org/officeDocument/2006/relationships" xmlns:p14="http://schemas.microsoft.com/office/powerpoint/2010/main" xmlns:p15="http://schemas.microsoft.com/office/powerpoint/2012/main" xmlns:mc="http://schemas.openxmlformats.org/markup-compatibility/2006">
+  <p:cSld>
+    <p:spTree>
+      <p:nvGrpSpPr>
+        <p:cNvPr id="1" name=""/>
+        <p:cNvGrpSpPr/>
+        <p:nvPr/>
+      </p:nvGrpSpPr>
+      <p:grpSpPr>
+        <a:xfrm>
+          <a:off x="0" y="0"/>
+          <a:ext cx="0" cy="0"/>
+          <a:chOff x="0" y="0"/>
+          <a:chExt cx="0" cy="0"/>
+        </a:xfrm>
+      </p:grpSpPr>
+      <p:sp>
+        <p:nvSpPr>
+          <p:cNvPr id="44" name="PlaceHolder 1"/>
+          <p:cNvSpPr>
+            <a:spLocks noGrp="1"/>
+          </p:cNvSpPr>
+          <p:nvPr>
+            <p:ph type="sldImg"/>
+          </p:nvPr>
+        </p:nvSpPr>
+        <p:spPr>
+          <a:xfrm>
+            <a:off x="216000" y="812520"/>
+            <a:ext cx="7127280" cy="4008960"/>
+          </a:xfrm>
+          <a:prstGeom prst="rect">
+            <a:avLst/>
+          </a:prstGeom>
+          <a:ln w="0">
+            <a:noFill/>
+          </a:ln>
+        </p:spPr>
+      </p:sp>
+      <p:sp>
+        <p:nvSpPr>
+          <p:cNvPr id="45" name="PlaceHolder 2"/>
+          <p:cNvSpPr>
+            <a:spLocks noGrp="1"/>
+          </p:cNvSpPr>
+          <p:nvPr>
+            <p:ph type="body"/>
+          </p:nvPr>
+        </p:nvSpPr>
+        <p:spPr>
+          <a:xfrm>
+            <a:off x="756000" y="5078520"/>
+            <a:ext cx="6047640" cy="4811040"/>
+          </a:xfrm>
+          <a:prstGeom prst="rect">
+            <a:avLst/>
+          </a:prstGeom>
+          <a:noFill/>
+          <a:ln w="0">
+            <a:noFill/>
+          </a:ln>
+        </p:spPr>
+        <p:txBody>
+          <a:bodyPr lIns="0" rIns="0" tIns="0" bIns="0" anchor="t">
+            <a:noAutofit/>
+          </a:bodyPr>
+          <a:p>
+            <a:pPr marL="216000" indent="-216000">
+              <a:buNone/>
+            </a:pPr>
+            <a:r>
+              <a:rPr b="0" lang="sv-SE" sz="2000" strike="noStrike" u="none">
+                <a:solidFill>
+                  <a:srgbClr val="000000"/>
+                </a:solidFill>
+                <a:uFillTx/>
+                <a:latin typeface="Arial"/>
+              </a:rPr>
+              <a:t>’</a:t>
+            </a:r>
+            <a:r>
+              <a:rPr b="0" lang="sv-SE" sz="2000" strike="noStrike" u="none">
+                <a:solidFill>
+                  <a:srgbClr val="000000"/>
+                </a:solidFill>
+                <a:uFillTx/>
+                <a:latin typeface="Arial"/>
+              </a:rPr>
+              <a:t>Betalningsmetod’</a:t>
+            </a:r>
+            <a:endParaRPr b="0" lang="sv-SE" sz="2000" strike="noStrike" u="none">
+              <a:solidFill>
+                <a:srgbClr val="000000"/>
+              </a:solidFill>
+              <a:uFillTx/>
+              <a:latin typeface="Arial"/>
+            </a:endParaRPr>
+          </a:p>
+          <a:p>
+            <a:pPr marL="216000" indent="-216000">
+              <a:buNone/>
+            </a:pPr>
+            <a:r>
+              <a:rPr b="0" lang="sv-SE" sz="2000" strike="noStrike" u="none">
+                <a:solidFill>
+                  <a:srgbClr val="000000"/>
+                </a:solidFill>
+                <a:uFillTx/>
+                <a:latin typeface="Arial"/>
+              </a:rPr>
+              <a:t>Kommer presentera statistik från datan,</a:t>
+            </a:r>
+            <a:endParaRPr b="0" lang="sv-SE" sz="2000" strike="noStrike" u="none">
+              <a:solidFill>
+                <a:srgbClr val="000000"/>
+              </a:solidFill>
+              <a:uFillTx/>
+              <a:latin typeface="Arial"/>
+            </a:endParaRPr>
+          </a:p>
+          <a:p>
+            <a:pPr marL="216000" indent="-216000">
+              <a:buNone/>
+            </a:pPr>
+            <a:r>
+              <a:rPr b="0" lang="sv-SE" sz="2000" strike="noStrike" u="none">
+                <a:solidFill>
+                  <a:srgbClr val="000000"/>
+                </a:solidFill>
+                <a:uFillTx/>
+                <a:latin typeface="Arial"/>
+              </a:rPr>
+              <a:t>	</a:t>
+            </a:r>
+            <a:r>
+              <a:rPr b="0" lang="sv-SE" sz="2000" strike="noStrike" u="none">
+                <a:solidFill>
+                  <a:srgbClr val="000000"/>
+                </a:solidFill>
+                <a:uFillTx/>
+                <a:latin typeface="Arial"/>
+              </a:rPr>
+              <a:t>visualiseringar</a:t>
+            </a:r>
+            <a:endParaRPr b="0" lang="sv-SE" sz="2000" strike="noStrike" u="none">
+              <a:solidFill>
+                <a:srgbClr val="000000"/>
+              </a:solidFill>
+              <a:uFillTx/>
+              <a:latin typeface="Arial"/>
+            </a:endParaRPr>
+          </a:p>
+          <a:p>
+            <a:pPr marL="216000" indent="-216000">
+              <a:buNone/>
+            </a:pPr>
+            <a:r>
+              <a:rPr b="0" lang="sv-SE" sz="2000" strike="noStrike" u="none">
+                <a:solidFill>
+                  <a:srgbClr val="000000"/>
+                </a:solidFill>
+                <a:uFillTx/>
+                <a:latin typeface="Arial"/>
+              </a:rPr>
+              <a:t>Mina slutledningar utifrån statistiken</a:t>
+            </a:r>
+            <a:endParaRPr b="0" lang="sv-SE" sz="2000" strike="noStrike" u="none">
+              <a:solidFill>
+                <a:srgbClr val="000000"/>
+              </a:solidFill>
+              <a:uFillTx/>
+              <a:latin typeface="Arial"/>
+            </a:endParaRPr>
+          </a:p>
+          <a:p>
+            <a:pPr marL="216000" indent="-216000">
+              <a:buNone/>
+            </a:pPr>
+            <a:r>
+              <a:rPr b="0" lang="sv-SE" sz="2000" strike="noStrike" u="none">
+                <a:solidFill>
+                  <a:srgbClr val="000000"/>
+                </a:solidFill>
+                <a:uFillTx/>
+                <a:latin typeface="Arial"/>
+              </a:rPr>
+              <a:t>Sedan summera alltihop i en sammanvägd bild av risker och konsekvenser</a:t>
+            </a:r>
+            <a:endParaRPr b="0" lang="sv-SE" sz="2000" strike="noStrike" u="none">
+              <a:solidFill>
+                <a:srgbClr val="000000"/>
+              </a:solidFill>
+              <a:uFillTx/>
+              <a:latin typeface="Arial"/>
+            </a:endParaRPr>
+          </a:p>
+          <a:p>
+            <a:pPr marL="216000" indent="-216000">
+              <a:buNone/>
+            </a:pPr>
+            <a:r>
+              <a:rPr b="0" lang="sv-SE" sz="2000" strike="noStrike" u="none">
+                <a:solidFill>
+                  <a:srgbClr val="000000"/>
+                </a:solidFill>
+                <a:uFillTx/>
+                <a:latin typeface="Arial"/>
+              </a:rPr>
+              <a:t>Tagit på mig att formulera rekommendationer</a:t>
+            </a:r>
+            <a:endParaRPr b="0" lang="sv-SE" sz="2000" strike="noStrike" u="none">
+              <a:solidFill>
+                <a:srgbClr val="000000"/>
+              </a:solidFill>
+              <a:uFillTx/>
+              <a:latin typeface="Arial"/>
+            </a:endParaRPr>
+          </a:p>
+          <a:p>
+            <a:pPr marL="216000" indent="-216000">
+              <a:buNone/>
+            </a:pPr>
+            <a:r>
+              <a:rPr b="0" lang="sv-SE" sz="2000" strike="noStrike" u="none">
+                <a:solidFill>
+                  <a:srgbClr val="000000"/>
+                </a:solidFill>
+                <a:uFillTx/>
+                <a:latin typeface="Arial"/>
+              </a:rPr>
+              <a:t>Frågor, tankar? Hojta ut, avbryt om ni vill. Annars kan ni ta dem i slutet om ni föredrar.</a:t>
+            </a:r>
+            <a:endParaRPr b="0" lang="sv-SE" sz="2000" strike="noStrike" u="none">
+              <a:solidFill>
+                <a:srgbClr val="000000"/>
+              </a:solidFill>
+              <a:uFillTx/>
+              <a:latin typeface="Arial"/>
+            </a:endParaRPr>
+          </a:p>
+        </p:txBody>
+      </p:sp>
+    </p:spTree>
+  </p:cSld>
+</p:notes>
+</file>
+
+<file path=ppt/notesSlides/notesSlide10.xml><?xml version="1.0" encoding="utf-8"?>
+<p:notes xmlns:a="http://schemas.openxmlformats.org/drawingml/2006/main" xmlns:p="http://schemas.openxmlformats.org/presentationml/2006/main" xmlns:r="http://schemas.openxmlformats.org/officeDocument/2006/relationships" xmlns:p14="http://schemas.microsoft.com/office/powerpoint/2010/main" xmlns:p15="http://schemas.microsoft.com/office/powerpoint/2012/main" xmlns:mc="http://schemas.openxmlformats.org/markup-compatibility/2006">
+  <p:cSld>
+    <p:spTree>
+      <p:nvGrpSpPr>
+        <p:cNvPr id="1" name=""/>
+        <p:cNvGrpSpPr/>
+        <p:nvPr/>
+      </p:nvGrpSpPr>
+      <p:grpSpPr>
+        <a:xfrm>
+          <a:off x="0" y="0"/>
+          <a:ext cx="0" cy="0"/>
+          <a:chOff x="0" y="0"/>
+          <a:chExt cx="0" cy="0"/>
+        </a:xfrm>
+      </p:grpSpPr>
+      <p:sp>
+        <p:nvSpPr>
+          <p:cNvPr id="60" name="PlaceHolder 1"/>
+          <p:cNvSpPr>
+            <a:spLocks noGrp="1"/>
+          </p:cNvSpPr>
+          <p:nvPr>
+            <p:ph type="sldImg"/>
+          </p:nvPr>
+        </p:nvSpPr>
+        <p:spPr>
+          <a:xfrm>
+            <a:off x="216000" y="812520"/>
+            <a:ext cx="7127280" cy="4008960"/>
+          </a:xfrm>
+          <a:prstGeom prst="rect">
+            <a:avLst/>
+          </a:prstGeom>
+          <a:ln w="0">
+            <a:noFill/>
+          </a:ln>
+        </p:spPr>
+      </p:sp>
+      <p:sp>
+        <p:nvSpPr>
+          <p:cNvPr id="61" name="PlaceHolder 2"/>
+          <p:cNvSpPr>
+            <a:spLocks noGrp="1"/>
+          </p:cNvSpPr>
+          <p:nvPr>
+            <p:ph type="body"/>
+          </p:nvPr>
+        </p:nvSpPr>
+        <p:spPr>
+          <a:xfrm>
+            <a:off x="756000" y="5078520"/>
+            <a:ext cx="6047640" cy="4811040"/>
+          </a:xfrm>
+          <a:prstGeom prst="rect">
+            <a:avLst/>
+          </a:prstGeom>
+          <a:noFill/>
+          <a:ln w="0">
+            <a:noFill/>
+          </a:ln>
+        </p:spPr>
+        <p:txBody>
+          <a:bodyPr lIns="0" rIns="0" tIns="0" bIns="0" anchor="t">
+            <a:noAutofit/>
+          </a:bodyPr>
+          <a:p>
+            <a:pPr marL="216000" indent="-216000">
+              <a:buNone/>
+            </a:pPr>
+            <a:r>
+              <a:rPr b="0" lang="sv-SE" sz="2000" strike="noStrike" u="none">
+                <a:solidFill>
+                  <a:srgbClr val="000000"/>
+                </a:solidFill>
+                <a:uFillTx/>
+                <a:latin typeface="Arial"/>
+              </a:rPr>
+              <a:t>Frågor eller tankar?</a:t>
+            </a:r>
+            <a:endParaRPr b="0" lang="sv-SE" sz="2000" strike="noStrike" u="none">
+              <a:solidFill>
+                <a:srgbClr val="000000"/>
+              </a:solidFill>
+              <a:uFillTx/>
+              <a:latin typeface="Arial"/>
+            </a:endParaRPr>
+          </a:p>
+        </p:txBody>
+      </p:sp>
+    </p:spTree>
+  </p:cSld>
+</p:notes>
+</file>
+
+<file path=ppt/notesSlides/notesSlide2.xml><?xml version="1.0" encoding="utf-8"?>
+<p:notes xmlns:a="http://schemas.openxmlformats.org/drawingml/2006/main" xmlns:p="http://schemas.openxmlformats.org/presentationml/2006/main" xmlns:r="http://schemas.openxmlformats.org/officeDocument/2006/relationships" xmlns:p14="http://schemas.microsoft.com/office/powerpoint/2010/main" xmlns:p15="http://schemas.microsoft.com/office/powerpoint/2012/main" xmlns:mc="http://schemas.openxmlformats.org/markup-compatibility/2006">
+  <p:cSld>
+    <p:spTree>
+      <p:nvGrpSpPr>
+        <p:cNvPr id="1" name=""/>
+        <p:cNvGrpSpPr/>
+        <p:nvPr/>
+      </p:nvGrpSpPr>
+      <p:grpSpPr>
+        <a:xfrm>
+          <a:off x="0" y="0"/>
+          <a:ext cx="0" cy="0"/>
+          <a:chOff x="0" y="0"/>
+          <a:chExt cx="0" cy="0"/>
+        </a:xfrm>
+      </p:grpSpPr>
+      <p:sp>
+        <p:nvSpPr>
+          <p:cNvPr id="46" name="PlaceHolder 1"/>
+          <p:cNvSpPr>
+            <a:spLocks noGrp="1"/>
+          </p:cNvSpPr>
+          <p:nvPr>
+            <p:ph type="sldImg"/>
+          </p:nvPr>
+        </p:nvSpPr>
+        <p:spPr>
+          <a:xfrm>
+            <a:off x="216000" y="812520"/>
+            <a:ext cx="7127280" cy="4008960"/>
+          </a:xfrm>
+          <a:prstGeom prst="rect">
+            <a:avLst/>
+          </a:prstGeom>
+          <a:ln w="0">
+            <a:noFill/>
+          </a:ln>
+        </p:spPr>
+      </p:sp>
+      <p:sp>
+        <p:nvSpPr>
+          <p:cNvPr id="47" name="PlaceHolder 2"/>
+          <p:cNvSpPr>
+            <a:spLocks noGrp="1"/>
+          </p:cNvSpPr>
+          <p:nvPr>
+            <p:ph type="body"/>
+          </p:nvPr>
+        </p:nvSpPr>
+        <p:spPr>
+          <a:xfrm>
+            <a:off x="756000" y="5078520"/>
+            <a:ext cx="6047640" cy="4811040"/>
+          </a:xfrm>
+          <a:prstGeom prst="rect">
+            <a:avLst/>
+          </a:prstGeom>
+          <a:noFill/>
+          <a:ln w="0">
+            <a:noFill/>
+          </a:ln>
+        </p:spPr>
+        <p:txBody>
+          <a:bodyPr lIns="0" rIns="0" tIns="0" bIns="0" anchor="t">
+            <a:noAutofit/>
+          </a:bodyPr>
+          <a:p>
+            <a:pPr marL="216000" indent="-216000">
+              <a:buNone/>
+            </a:pPr>
+            <a:r>
+              <a:rPr b="0" lang="sv-SE" sz="2000" strike="noStrike" u="none">
+                <a:solidFill>
+                  <a:srgbClr val="000000"/>
+                </a:solidFill>
+                <a:uFillTx/>
+                <a:latin typeface="Arial"/>
+              </a:rPr>
+              <a:t>Graf: ’Användare’. </a:t>
+            </a:r>
+            <a:endParaRPr b="0" lang="sv-SE" sz="2000" strike="noStrike" u="none">
+              <a:solidFill>
+                <a:srgbClr val="000000"/>
+              </a:solidFill>
+              <a:uFillTx/>
+              <a:latin typeface="Arial"/>
+            </a:endParaRPr>
+          </a:p>
+          <a:p>
+            <a:pPr marL="216000" indent="-216000">
+              <a:buNone/>
+            </a:pPr>
+            <a:r>
+              <a:rPr b="0" lang="sv-SE" sz="2000" strike="noStrike" u="none">
+                <a:solidFill>
+                  <a:srgbClr val="000000"/>
+                </a:solidFill>
+                <a:uFillTx/>
+                <a:latin typeface="Arial"/>
+              </a:rPr>
+              <a:t>Hur de fördelas mellan 4 åldersgrupper. 1 lägst..</a:t>
+            </a:r>
+            <a:endParaRPr b="0" lang="sv-SE" sz="2000" strike="noStrike" u="none">
+              <a:solidFill>
+                <a:srgbClr val="000000"/>
+              </a:solidFill>
+              <a:uFillTx/>
+              <a:latin typeface="Arial"/>
+            </a:endParaRPr>
+          </a:p>
+          <a:p>
+            <a:pPr marL="216000" indent="-216000">
+              <a:buNone/>
+            </a:pPr>
+            <a:r>
+              <a:rPr b="0" lang="sv-SE" sz="2000" strike="noStrike" u="none">
+                <a:solidFill>
+                  <a:srgbClr val="000000"/>
+                </a:solidFill>
+                <a:uFillTx/>
+                <a:latin typeface="Arial"/>
+              </a:rPr>
+              <a:t>Y-axeln andelen i procent. </a:t>
+            </a:r>
+            <a:endParaRPr b="0" lang="sv-SE" sz="2000" strike="noStrike" u="none">
+              <a:solidFill>
+                <a:srgbClr val="000000"/>
+              </a:solidFill>
+              <a:uFillTx/>
+              <a:latin typeface="Arial"/>
+            </a:endParaRPr>
+          </a:p>
+          <a:p>
+            <a:pPr marL="216000" indent="-216000">
+              <a:buNone/>
+            </a:pPr>
+            <a:r>
+              <a:rPr b="0" lang="sv-SE" sz="2000" strike="noStrike" u="none">
+                <a:solidFill>
+                  <a:srgbClr val="000000"/>
+                </a:solidFill>
+                <a:uFillTx/>
+                <a:latin typeface="Arial"/>
+              </a:rPr>
+              <a:t>[punkter]</a:t>
+            </a:r>
+            <a:endParaRPr b="0" lang="sv-SE" sz="2000" strike="noStrike" u="none">
+              <a:solidFill>
+                <a:srgbClr val="000000"/>
+              </a:solidFill>
+              <a:uFillTx/>
+              <a:latin typeface="Arial"/>
+            </a:endParaRPr>
+          </a:p>
+        </p:txBody>
+      </p:sp>
+    </p:spTree>
+  </p:cSld>
+</p:notes>
+</file>
+
+<file path=ppt/notesSlides/notesSlide3.xml><?xml version="1.0" encoding="utf-8"?>
+<p:notes xmlns:a="http://schemas.openxmlformats.org/drawingml/2006/main" xmlns:p="http://schemas.openxmlformats.org/presentationml/2006/main" xmlns:r="http://schemas.openxmlformats.org/officeDocument/2006/relationships" xmlns:p14="http://schemas.microsoft.com/office/powerpoint/2010/main" xmlns:p15="http://schemas.microsoft.com/office/powerpoint/2012/main" xmlns:mc="http://schemas.openxmlformats.org/markup-compatibility/2006">
+  <p:cSld>
+    <p:spTree>
+      <p:nvGrpSpPr>
+        <p:cNvPr id="1" name=""/>
+        <p:cNvGrpSpPr/>
+        <p:nvPr/>
+      </p:nvGrpSpPr>
+      <p:grpSpPr>
+        <a:xfrm>
+          <a:off x="0" y="0"/>
+          <a:ext cx="0" cy="0"/>
+          <a:chOff x="0" y="0"/>
+          <a:chExt cx="0" cy="0"/>
+        </a:xfrm>
+      </p:grpSpPr>
+      <p:sp>
+        <p:nvSpPr>
+          <p:cNvPr id="48" name="PlaceHolder 1"/>
+          <p:cNvSpPr>
+            <a:spLocks noGrp="1"/>
+          </p:cNvSpPr>
+          <p:nvPr>
+            <p:ph type="sldImg"/>
+          </p:nvPr>
+        </p:nvSpPr>
+        <p:spPr>
+          <a:xfrm>
+            <a:off x="216000" y="812520"/>
+            <a:ext cx="7127280" cy="4008960"/>
+          </a:xfrm>
+          <a:prstGeom prst="rect">
+            <a:avLst/>
+          </a:prstGeom>
+          <a:ln w="0">
+            <a:noFill/>
+          </a:ln>
+        </p:spPr>
+      </p:sp>
+      <p:sp>
+        <p:nvSpPr>
+          <p:cNvPr id="49" name="PlaceHolder 2"/>
+          <p:cNvSpPr>
+            <a:spLocks noGrp="1"/>
+          </p:cNvSpPr>
+          <p:nvPr>
+            <p:ph type="body"/>
+          </p:nvPr>
+        </p:nvSpPr>
+        <p:spPr>
+          <a:xfrm>
+            <a:off x="756000" y="5078520"/>
+            <a:ext cx="6047640" cy="4811040"/>
+          </a:xfrm>
+          <a:prstGeom prst="rect">
+            <a:avLst/>
+          </a:prstGeom>
+          <a:noFill/>
+          <a:ln w="0">
+            <a:noFill/>
+          </a:ln>
+        </p:spPr>
+        <p:txBody>
+          <a:bodyPr lIns="0" rIns="0" tIns="0" bIns="0" anchor="t">
+            <a:noAutofit/>
+          </a:bodyPr>
+          <a:p>
+            <a:pPr marL="216000" indent="-216000">
+              <a:buNone/>
+            </a:pPr>
+            <a:r>
+              <a:rPr b="0" lang="sv-SE" sz="2000" strike="noStrike" u="none">
+                <a:solidFill>
+                  <a:srgbClr val="000000"/>
+                </a:solidFill>
+                <a:uFillTx/>
+                <a:latin typeface="Arial"/>
+              </a:rPr>
+              <a:t>Graf: Registrerade kontaktuppgifter hos användare och övriga kunder</a:t>
+            </a:r>
+            <a:endParaRPr b="0" lang="sv-SE" sz="2000" strike="noStrike" u="none">
+              <a:solidFill>
+                <a:srgbClr val="000000"/>
+              </a:solidFill>
+              <a:uFillTx/>
+              <a:latin typeface="Arial"/>
+            </a:endParaRPr>
+          </a:p>
+          <a:p>
+            <a:pPr marL="216000" indent="-216000">
+              <a:buNone/>
+            </a:pPr>
+            <a:r>
+              <a:rPr b="0" lang="sv-SE" sz="2000" strike="noStrike" u="none">
+                <a:solidFill>
+                  <a:srgbClr val="000000"/>
+                </a:solidFill>
+                <a:uFillTx/>
+                <a:latin typeface="Arial"/>
+              </a:rPr>
+              <a:t>Rosa respektive blå spalterna</a:t>
+            </a:r>
+            <a:endParaRPr b="0" lang="sv-SE" sz="2000" strike="noStrike" u="none">
+              <a:solidFill>
+                <a:srgbClr val="000000"/>
+              </a:solidFill>
+              <a:uFillTx/>
+              <a:latin typeface="Arial"/>
+            </a:endParaRPr>
+          </a:p>
+          <a:p>
+            <a:pPr marL="216000" indent="-216000">
+              <a:buNone/>
+            </a:pPr>
+            <a:r>
+              <a:rPr b="0" lang="sv-SE" sz="2000" strike="noStrike" u="none">
+                <a:solidFill>
+                  <a:srgbClr val="000000"/>
+                </a:solidFill>
+                <a:uFillTx/>
+                <a:latin typeface="Arial"/>
+              </a:rPr>
+              <a:t>Y-axeln: andel av gruppen som har uppgift registrerade</a:t>
+            </a:r>
+            <a:endParaRPr b="0" lang="sv-SE" sz="2000" strike="noStrike" u="none">
+              <a:solidFill>
+                <a:srgbClr val="000000"/>
+              </a:solidFill>
+              <a:uFillTx/>
+              <a:latin typeface="Arial"/>
+            </a:endParaRPr>
+          </a:p>
+          <a:p>
+            <a:pPr marL="216000" indent="-216000">
+              <a:buNone/>
+            </a:pPr>
+            <a:r>
+              <a:rPr b="0" lang="sv-SE" sz="2000" strike="noStrike" u="none">
+                <a:solidFill>
+                  <a:srgbClr val="000000"/>
+                </a:solidFill>
+                <a:uFillTx/>
+                <a:latin typeface="Arial"/>
+              </a:rPr>
+              <a:t>Spaltgrupperna: kontaktuppgiftstyp</a:t>
+            </a:r>
+            <a:endParaRPr b="0" lang="sv-SE" sz="2000" strike="noStrike" u="none">
+              <a:solidFill>
+                <a:srgbClr val="000000"/>
+              </a:solidFill>
+              <a:uFillTx/>
+              <a:latin typeface="Arial"/>
+            </a:endParaRPr>
+          </a:p>
+          <a:p>
+            <a:pPr marL="216000" indent="-216000">
+              <a:buNone/>
+            </a:pPr>
+            <a:endParaRPr b="0" lang="sv-SE" sz="2000" strike="noStrike" u="none">
+              <a:solidFill>
+                <a:srgbClr val="000000"/>
+              </a:solidFill>
+              <a:uFillTx/>
+              <a:latin typeface="Arial"/>
+            </a:endParaRPr>
+          </a:p>
+        </p:txBody>
+      </p:sp>
+    </p:spTree>
+  </p:cSld>
+</p:notes>
 </file>
 
 <file path=ppt/notesSlides/notesSlide4.xml><?xml version="1.0" encoding="utf-8"?>
@@ -406,7 +1086,7 @@
       </p:grpSpPr>
       <p:sp>
         <p:nvSpPr>
-          <p:cNvPr id="44" name="PlaceHolder 1"/>
+          <p:cNvPr id="50" name="PlaceHolder 1"/>
           <p:cNvSpPr>
             <a:spLocks noGrp="1"/>
           </p:cNvSpPr>
@@ -429,7 +1109,7 @@
       </p:sp>
       <p:sp>
         <p:nvSpPr>
-          <p:cNvPr id="45" name="PlaceHolder 2"/>
+          <p:cNvPr id="51" name="PlaceHolder 2"/>
           <p:cNvSpPr>
             <a:spLocks noGrp="1"/>
           </p:cNvSpPr>
@@ -458,6 +1138,16 @@
             <a:pPr marL="216000" indent="-216000">
               <a:buNone/>
             </a:pPr>
+            <a:r>
+              <a:rPr b="0" lang="sv-SE" sz="2000" strike="noStrike" u="none">
+                <a:solidFill>
+                  <a:srgbClr val="000000"/>
+                </a:solidFill>
+                <a:uFillTx/>
+                <a:latin typeface="Arial"/>
+              </a:rPr>
+              <a:t>Populationspyramid</a:t>
+            </a:r>
             <a:endParaRPr b="0" lang="sv-SE" sz="2000" strike="noStrike" u="none">
               <a:solidFill>
                 <a:srgbClr val="000000"/>
@@ -470,6 +1160,592 @@
             <a:pPr marL="216000" indent="-216000">
               <a:buNone/>
             </a:pPr>
+            <a:r>
+              <a:rPr b="0" lang="sv-SE" sz="2000" strike="noStrike" u="none">
+                <a:solidFill>
+                  <a:srgbClr val="000000"/>
+                </a:solidFill>
+                <a:uFillTx/>
+                <a:latin typeface="Arial"/>
+              </a:rPr>
+              <a:t>Y-axeln är antal år som kund</a:t>
+            </a:r>
+            <a:endParaRPr b="0" lang="sv-SE" sz="2000" strike="noStrike" u="none">
+              <a:solidFill>
+                <a:srgbClr val="000000"/>
+              </a:solidFill>
+              <a:uFillTx/>
+              <a:latin typeface="Arial"/>
+            </a:endParaRPr>
+          </a:p>
+          <a:p>
+            <a:pPr marL="216000" indent="-216000">
+              <a:buNone/>
+            </a:pPr>
+            <a:r>
+              <a:rPr b="0" lang="sv-SE" sz="2000" strike="noStrike" u="none">
+                <a:solidFill>
+                  <a:srgbClr val="000000"/>
+                </a:solidFill>
+                <a:uFillTx/>
+                <a:latin typeface="Arial"/>
+              </a:rPr>
+              <a:t>X axeln andel av gruppen i procent i varje varaktighetskategori</a:t>
+            </a:r>
+            <a:endParaRPr b="0" lang="sv-SE" sz="2000" strike="noStrike" u="none">
+              <a:solidFill>
+                <a:srgbClr val="000000"/>
+              </a:solidFill>
+              <a:uFillTx/>
+              <a:latin typeface="Arial"/>
+            </a:endParaRPr>
+          </a:p>
+        </p:txBody>
+      </p:sp>
+    </p:spTree>
+  </p:cSld>
+</p:notes>
+</file>
+
+<file path=ppt/notesSlides/notesSlide5.xml><?xml version="1.0" encoding="utf-8"?>
+<p:notes xmlns:a="http://schemas.openxmlformats.org/drawingml/2006/main" xmlns:p="http://schemas.openxmlformats.org/presentationml/2006/main" xmlns:r="http://schemas.openxmlformats.org/officeDocument/2006/relationships" xmlns:p14="http://schemas.microsoft.com/office/powerpoint/2010/main" xmlns:p15="http://schemas.microsoft.com/office/powerpoint/2012/main" xmlns:mc="http://schemas.openxmlformats.org/markup-compatibility/2006">
+  <p:cSld>
+    <p:spTree>
+      <p:nvGrpSpPr>
+        <p:cNvPr id="1" name=""/>
+        <p:cNvGrpSpPr/>
+        <p:nvPr/>
+      </p:nvGrpSpPr>
+      <p:grpSpPr>
+        <a:xfrm>
+          <a:off x="0" y="0"/>
+          <a:ext cx="0" cy="0"/>
+          <a:chOff x="0" y="0"/>
+          <a:chExt cx="0" cy="0"/>
+        </a:xfrm>
+      </p:grpSpPr>
+      <p:sp>
+        <p:nvSpPr>
+          <p:cNvPr id="52" name="PlaceHolder 1"/>
+          <p:cNvSpPr>
+            <a:spLocks noGrp="1"/>
+          </p:cNvSpPr>
+          <p:nvPr>
+            <p:ph type="sldImg"/>
+          </p:nvPr>
+        </p:nvSpPr>
+        <p:spPr>
+          <a:xfrm>
+            <a:off x="216000" y="812520"/>
+            <a:ext cx="7127280" cy="4008960"/>
+          </a:xfrm>
+          <a:prstGeom prst="rect">
+            <a:avLst/>
+          </a:prstGeom>
+          <a:ln w="0">
+            <a:noFill/>
+          </a:ln>
+        </p:spPr>
+      </p:sp>
+      <p:sp>
+        <p:nvSpPr>
+          <p:cNvPr id="53" name="PlaceHolder 2"/>
+          <p:cNvSpPr>
+            <a:spLocks noGrp="1"/>
+          </p:cNvSpPr>
+          <p:nvPr>
+            <p:ph type="body"/>
+          </p:nvPr>
+        </p:nvSpPr>
+        <p:spPr>
+          <a:xfrm>
+            <a:off x="756000" y="5078520"/>
+            <a:ext cx="6047640" cy="4811040"/>
+          </a:xfrm>
+          <a:prstGeom prst="rect">
+            <a:avLst/>
+          </a:prstGeom>
+          <a:noFill/>
+          <a:ln w="0">
+            <a:noFill/>
+          </a:ln>
+        </p:spPr>
+        <p:txBody>
+          <a:bodyPr lIns="0" rIns="0" tIns="0" bIns="0" anchor="t">
+            <a:noAutofit/>
+          </a:bodyPr>
+          <a:p>
+            <a:pPr marL="216000" indent="-216000">
+              <a:buNone/>
+            </a:pPr>
+            <a:r>
+              <a:rPr b="0" lang="sv-SE" sz="2000" strike="noStrike" u="none">
+                <a:solidFill>
+                  <a:srgbClr val="000000"/>
+                </a:solidFill>
+                <a:uFillTx/>
+                <a:latin typeface="Arial"/>
+              </a:rPr>
+              <a:t>Hur användare och övriga fördelar sig mellan olika premie-ratings. </a:t>
+            </a:r>
+            <a:endParaRPr b="0" lang="sv-SE" sz="2000" strike="noStrike" u="none">
+              <a:solidFill>
+                <a:srgbClr val="000000"/>
+              </a:solidFill>
+              <a:uFillTx/>
+              <a:latin typeface="Arial"/>
+            </a:endParaRPr>
+          </a:p>
+          <a:p>
+            <a:pPr marL="216000" indent="-216000">
+              <a:buNone/>
+            </a:pPr>
+            <a:endParaRPr b="0" lang="sv-SE" sz="2000" strike="noStrike" u="none">
+              <a:solidFill>
+                <a:srgbClr val="000000"/>
+              </a:solidFill>
+              <a:uFillTx/>
+              <a:latin typeface="Arial"/>
+            </a:endParaRPr>
+          </a:p>
+        </p:txBody>
+      </p:sp>
+    </p:spTree>
+  </p:cSld>
+</p:notes>
+</file>
+
+<file path=ppt/notesSlides/notesSlide6.xml><?xml version="1.0" encoding="utf-8"?>
+<p:notes xmlns:a="http://schemas.openxmlformats.org/drawingml/2006/main" xmlns:p="http://schemas.openxmlformats.org/presentationml/2006/main" xmlns:r="http://schemas.openxmlformats.org/officeDocument/2006/relationships" xmlns:p14="http://schemas.microsoft.com/office/powerpoint/2010/main" xmlns:p15="http://schemas.microsoft.com/office/powerpoint/2012/main" xmlns:mc="http://schemas.openxmlformats.org/markup-compatibility/2006">
+  <p:cSld>
+    <p:spTree>
+      <p:nvGrpSpPr>
+        <p:cNvPr id="1" name=""/>
+        <p:cNvGrpSpPr/>
+        <p:nvPr/>
+      </p:nvGrpSpPr>
+      <p:grpSpPr>
+        <a:xfrm>
+          <a:off x="0" y="0"/>
+          <a:ext cx="0" cy="0"/>
+          <a:chOff x="0" y="0"/>
+          <a:chExt cx="0" cy="0"/>
+        </a:xfrm>
+      </p:grpSpPr>
+      <p:sp>
+        <p:nvSpPr>
+          <p:cNvPr id="54" name="PlaceHolder 1"/>
+          <p:cNvSpPr>
+            <a:spLocks noGrp="1"/>
+          </p:cNvSpPr>
+          <p:nvPr>
+            <p:ph type="sldImg"/>
+          </p:nvPr>
+        </p:nvSpPr>
+        <p:spPr>
+          <a:xfrm>
+            <a:off x="216000" y="812520"/>
+            <a:ext cx="7127280" cy="4008960"/>
+          </a:xfrm>
+          <a:prstGeom prst="rect">
+            <a:avLst/>
+          </a:prstGeom>
+          <a:ln w="0">
+            <a:noFill/>
+          </a:ln>
+        </p:spPr>
+      </p:sp>
+      <p:sp>
+        <p:nvSpPr>
+          <p:cNvPr id="55" name="PlaceHolder 2"/>
+          <p:cNvSpPr>
+            <a:spLocks noGrp="1"/>
+          </p:cNvSpPr>
+          <p:nvPr>
+            <p:ph type="body"/>
+          </p:nvPr>
+        </p:nvSpPr>
+        <p:spPr>
+          <a:xfrm>
+            <a:off x="756000" y="5078520"/>
+            <a:ext cx="6047640" cy="4811040"/>
+          </a:xfrm>
+          <a:prstGeom prst="rect">
+            <a:avLst/>
+          </a:prstGeom>
+          <a:noFill/>
+          <a:ln w="0">
+            <a:noFill/>
+          </a:ln>
+        </p:spPr>
+        <p:txBody>
+          <a:bodyPr lIns="0" rIns="0" tIns="0" bIns="0" anchor="t">
+            <a:noAutofit/>
+          </a:bodyPr>
+          <a:p>
+            <a:pPr marL="216000" indent="-216000">
+              <a:buNone/>
+            </a:pPr>
+            <a:r>
+              <a:rPr b="0" lang="sv-SE" sz="2000" strike="noStrike" u="none">
+                <a:solidFill>
+                  <a:srgbClr val="000000"/>
+                </a:solidFill>
+                <a:uFillTx/>
+                <a:latin typeface="Arial"/>
+              </a:rPr>
+              <a:t>Cube level och hur användare och övriga fördelar sig mellan olika klasser.</a:t>
+            </a:r>
+            <a:endParaRPr b="0" lang="sv-SE" sz="2000" strike="noStrike" u="none">
+              <a:solidFill>
+                <a:srgbClr val="000000"/>
+              </a:solidFill>
+              <a:uFillTx/>
+              <a:latin typeface="Arial"/>
+            </a:endParaRPr>
+          </a:p>
+          <a:p>
+            <a:pPr marL="216000" indent="-216000">
+              <a:buNone/>
+            </a:pPr>
+            <a:r>
+              <a:rPr b="0" lang="sv-SE" sz="2000" strike="noStrike" u="none">
+                <a:solidFill>
+                  <a:srgbClr val="000000"/>
+                </a:solidFill>
+                <a:uFillTx/>
+                <a:latin typeface="Arial"/>
+              </a:rPr>
+              <a:t>OBS längst ner är kategorin ’?’ – jag tolkar det som okänt/bortfall. Mer om det senare.</a:t>
+            </a:r>
+            <a:endParaRPr b="0" lang="sv-SE" sz="2000" strike="noStrike" u="none">
+              <a:solidFill>
+                <a:srgbClr val="000000"/>
+              </a:solidFill>
+              <a:uFillTx/>
+              <a:latin typeface="Arial"/>
+            </a:endParaRPr>
+          </a:p>
+          <a:p>
+            <a:pPr marL="216000" indent="-216000">
+              <a:buNone/>
+            </a:pPr>
+            <a:endParaRPr b="0" lang="sv-SE" sz="2000" strike="noStrike" u="none">
+              <a:solidFill>
+                <a:srgbClr val="000000"/>
+              </a:solidFill>
+              <a:uFillTx/>
+              <a:latin typeface="Arial"/>
+            </a:endParaRPr>
+          </a:p>
+        </p:txBody>
+      </p:sp>
+    </p:spTree>
+  </p:cSld>
+</p:notes>
+</file>
+
+<file path=ppt/notesSlides/notesSlide7.xml><?xml version="1.0" encoding="utf-8"?>
+<p:notes xmlns:a="http://schemas.openxmlformats.org/drawingml/2006/main" xmlns:p="http://schemas.openxmlformats.org/presentationml/2006/main" xmlns:r="http://schemas.openxmlformats.org/officeDocument/2006/relationships" xmlns:p14="http://schemas.microsoft.com/office/powerpoint/2010/main" xmlns:p15="http://schemas.microsoft.com/office/powerpoint/2012/main" xmlns:mc="http://schemas.openxmlformats.org/markup-compatibility/2006">
+  <p:cSld>
+    <p:spTree>
+      <p:nvGrpSpPr>
+        <p:cNvPr id="1" name=""/>
+        <p:cNvGrpSpPr/>
+        <p:nvPr/>
+      </p:nvGrpSpPr>
+      <p:grpSpPr>
+        <a:xfrm>
+          <a:off x="0" y="0"/>
+          <a:ext cx="0" cy="0"/>
+          <a:chOff x="0" y="0"/>
+          <a:chExt cx="0" cy="0"/>
+        </a:xfrm>
+      </p:grpSpPr>
+      <p:sp>
+        <p:nvSpPr>
+          <p:cNvPr id="56" name="PlaceHolder 1"/>
+          <p:cNvSpPr>
+            <a:spLocks noGrp="1"/>
+          </p:cNvSpPr>
+          <p:nvPr>
+            <p:ph type="sldImg"/>
+          </p:nvPr>
+        </p:nvSpPr>
+        <p:spPr>
+          <a:xfrm>
+            <a:off x="216000" y="812520"/>
+            <a:ext cx="7127280" cy="4008960"/>
+          </a:xfrm>
+          <a:prstGeom prst="rect">
+            <a:avLst/>
+          </a:prstGeom>
+          <a:ln w="0">
+            <a:noFill/>
+          </a:ln>
+        </p:spPr>
+      </p:sp>
+      <p:sp>
+        <p:nvSpPr>
+          <p:cNvPr id="57" name="PlaceHolder 2"/>
+          <p:cNvSpPr>
+            <a:spLocks noGrp="1"/>
+          </p:cNvSpPr>
+          <p:nvPr>
+            <p:ph type="body"/>
+          </p:nvPr>
+        </p:nvSpPr>
+        <p:spPr>
+          <a:xfrm>
+            <a:off x="756000" y="5078520"/>
+            <a:ext cx="6047640" cy="4811040"/>
+          </a:xfrm>
+          <a:prstGeom prst="rect">
+            <a:avLst/>
+          </a:prstGeom>
+          <a:noFill/>
+          <a:ln w="0">
+            <a:noFill/>
+          </a:ln>
+        </p:spPr>
+        <p:txBody>
+          <a:bodyPr lIns="0" rIns="0" tIns="0" bIns="0" anchor="t">
+            <a:noAutofit/>
+          </a:bodyPr>
+          <a:p>
+            <a:pPr marL="216000" indent="-216000">
+              <a:buNone/>
+            </a:pPr>
+            <a:r>
+              <a:rPr b="0" lang="sv-SE" sz="2000" strike="noStrike" u="none">
+                <a:solidFill>
+                  <a:srgbClr val="000000"/>
+                </a:solidFill>
+                <a:uFillTx/>
+                <a:latin typeface="Arial"/>
+              </a:rPr>
+              <a:t>Fördelning bland användare mellan 0-1-2 för product-variablerna.</a:t>
+            </a:r>
+            <a:endParaRPr b="0" lang="sv-SE" sz="2000" strike="noStrike" u="none">
+              <a:solidFill>
+                <a:srgbClr val="000000"/>
+              </a:solidFill>
+              <a:uFillTx/>
+              <a:latin typeface="Arial"/>
+            </a:endParaRPr>
+          </a:p>
+          <a:p>
+            <a:pPr marL="216000" indent="-216000">
+              <a:buNone/>
+            </a:pPr>
+            <a:r>
+              <a:rPr b="0" lang="sv-SE" sz="2000" strike="noStrike" u="none">
+                <a:solidFill>
+                  <a:srgbClr val="000000"/>
+                </a:solidFill>
+                <a:uFillTx/>
+                <a:latin typeface="Arial"/>
+              </a:rPr>
+              <a:t>Helt ärligt osäker på vad de olika kategorierna betyder därför jag redovisar allt.</a:t>
+            </a:r>
+            <a:endParaRPr b="0" lang="sv-SE" sz="2000" strike="noStrike" u="none">
+              <a:solidFill>
+                <a:srgbClr val="000000"/>
+              </a:solidFill>
+              <a:uFillTx/>
+              <a:latin typeface="Arial"/>
+            </a:endParaRPr>
+          </a:p>
+          <a:p>
+            <a:pPr marL="216000" indent="-216000">
+              <a:buNone/>
+            </a:pPr>
+            <a:r>
+              <a:rPr b="0" lang="sv-SE" sz="2000" strike="noStrike" u="none">
+                <a:solidFill>
+                  <a:srgbClr val="000000"/>
+                </a:solidFill>
+                <a:uFillTx/>
+                <a:latin typeface="Arial"/>
+              </a:rPr>
+              <a:t>Resonerar utifrån att 0 = ’har ej produkten’, 1=’har produkten’, 2=’har utökad variant av produkten’</a:t>
+            </a:r>
+            <a:endParaRPr b="0" lang="sv-SE" sz="2000" strike="noStrike" u="none">
+              <a:solidFill>
+                <a:srgbClr val="000000"/>
+              </a:solidFill>
+              <a:uFillTx/>
+              <a:latin typeface="Arial"/>
+            </a:endParaRPr>
+          </a:p>
+          <a:p>
+            <a:pPr marL="216000" indent="-216000">
+              <a:buNone/>
+            </a:pPr>
+            <a:endParaRPr b="0" lang="sv-SE" sz="2000" strike="noStrike" u="none">
+              <a:solidFill>
+                <a:srgbClr val="000000"/>
+              </a:solidFill>
+              <a:uFillTx/>
+              <a:latin typeface="Arial"/>
+            </a:endParaRPr>
+          </a:p>
+        </p:txBody>
+      </p:sp>
+    </p:spTree>
+  </p:cSld>
+</p:notes>
+</file>
+
+<file path=ppt/notesSlides/notesSlide8.xml><?xml version="1.0" encoding="utf-8"?>
+<p:notes xmlns:a="http://schemas.openxmlformats.org/drawingml/2006/main" xmlns:p="http://schemas.openxmlformats.org/presentationml/2006/main" xmlns:r="http://schemas.openxmlformats.org/officeDocument/2006/relationships" xmlns:p14="http://schemas.microsoft.com/office/powerpoint/2010/main" xmlns:p15="http://schemas.microsoft.com/office/powerpoint/2012/main" xmlns:mc="http://schemas.openxmlformats.org/markup-compatibility/2006">
+  <p:cSld>
+    <p:spTree>
+      <p:nvGrpSpPr>
+        <p:cNvPr id="1" name=""/>
+        <p:cNvGrpSpPr/>
+        <p:nvPr/>
+      </p:nvGrpSpPr>
+      <p:grpSpPr>
+        <a:xfrm>
+          <a:off x="0" y="0"/>
+          <a:ext cx="0" cy="0"/>
+          <a:chOff x="0" y="0"/>
+          <a:chExt cx="0" cy="0"/>
+        </a:xfrm>
+      </p:grpSpPr>
+      <p:sp>
+        <p:nvSpPr>
+          <p:cNvPr id="58" name="PlaceHolder 1"/>
+          <p:cNvSpPr>
+            <a:spLocks noGrp="1"/>
+          </p:cNvSpPr>
+          <p:nvPr>
+            <p:ph type="sldImg"/>
+          </p:nvPr>
+        </p:nvSpPr>
+        <p:spPr>
+          <a:xfrm>
+            <a:off x="216000" y="812520"/>
+            <a:ext cx="7127280" cy="4008960"/>
+          </a:xfrm>
+          <a:prstGeom prst="rect">
+            <a:avLst/>
+          </a:prstGeom>
+          <a:ln w="0">
+            <a:noFill/>
+          </a:ln>
+        </p:spPr>
+      </p:sp>
+      <p:sp>
+        <p:nvSpPr>
+          <p:cNvPr id="59" name="PlaceHolder 2"/>
+          <p:cNvSpPr>
+            <a:spLocks noGrp="1"/>
+          </p:cNvSpPr>
+          <p:nvPr>
+            <p:ph type="body"/>
+          </p:nvPr>
+        </p:nvSpPr>
+        <p:spPr>
+          <a:xfrm>
+            <a:off x="756000" y="5078520"/>
+            <a:ext cx="6047640" cy="4811040"/>
+          </a:xfrm>
+          <a:prstGeom prst="rect">
+            <a:avLst/>
+          </a:prstGeom>
+          <a:noFill/>
+          <a:ln w="0">
+            <a:noFill/>
+          </a:ln>
+        </p:spPr>
+        <p:txBody>
+          <a:bodyPr lIns="0" rIns="0" tIns="0" bIns="0" anchor="t">
+            <a:noAutofit/>
+          </a:bodyPr>
+          <a:p>
+            <a:pPr marL="216000" indent="-216000">
+              <a:buNone/>
+            </a:pPr>
+            <a:r>
+              <a:rPr b="0" lang="sv-SE" sz="2000" strike="noStrike" u="none">
+                <a:solidFill>
+                  <a:srgbClr val="000000"/>
+                </a:solidFill>
+                <a:uFillTx/>
+                <a:latin typeface="Arial"/>
+              </a:rPr>
+              <a:t>Flera indikationer som ger en sammantagen bild av en kundgrupp som inte har samma tillgång och vana av IT som övriga kunder.</a:t>
+            </a:r>
+            <a:endParaRPr b="0" lang="sv-SE" sz="2000" strike="noStrike" u="none">
+              <a:solidFill>
+                <a:srgbClr val="000000"/>
+              </a:solidFill>
+              <a:uFillTx/>
+              <a:latin typeface="Arial"/>
+            </a:endParaRPr>
+          </a:p>
+          <a:p>
+            <a:pPr marL="216000" indent="-216000">
+              <a:buNone/>
+            </a:pPr>
+            <a:endParaRPr b="0" lang="sv-SE" sz="2000" strike="noStrike" u="none">
+              <a:solidFill>
+                <a:srgbClr val="000000"/>
+              </a:solidFill>
+              <a:uFillTx/>
+              <a:latin typeface="Arial"/>
+            </a:endParaRPr>
+          </a:p>
+          <a:p>
+            <a:pPr marL="216000" indent="-216000">
+              <a:buNone/>
+            </a:pPr>
+            <a:r>
+              <a:rPr b="0" lang="sv-SE" sz="2000" strike="noStrike" u="none">
+                <a:solidFill>
+                  <a:srgbClr val="000000"/>
+                </a:solidFill>
+                <a:uFillTx/>
+                <a:latin typeface="Arial"/>
+              </a:rPr>
+              <a:t>Vilken betalningsmetod man väljer, och kanske framför allt vilken man inte väljer, en fråga om tillgänglighet.</a:t>
+            </a:r>
+            <a:endParaRPr b="0" lang="sv-SE" sz="2000" strike="noStrike" u="none">
+              <a:solidFill>
+                <a:srgbClr val="000000"/>
+              </a:solidFill>
+              <a:uFillTx/>
+              <a:latin typeface="Arial"/>
+            </a:endParaRPr>
+          </a:p>
+          <a:p>
+            <a:pPr marL="216000" indent="-216000">
+              <a:buNone/>
+            </a:pPr>
+            <a:endParaRPr b="0" lang="sv-SE" sz="2000" strike="noStrike" u="none">
+              <a:solidFill>
+                <a:srgbClr val="000000"/>
+              </a:solidFill>
+              <a:uFillTx/>
+              <a:latin typeface="Arial"/>
+            </a:endParaRPr>
+          </a:p>
+          <a:p>
+            <a:pPr marL="216000" indent="-216000">
+              <a:buNone/>
+            </a:pPr>
+            <a:r>
+              <a:rPr b="0" lang="sv-SE" sz="2000" strike="noStrike" u="none">
+                <a:solidFill>
+                  <a:srgbClr val="000000"/>
+                </a:solidFill>
+                <a:uFillTx/>
+                <a:latin typeface="Arial"/>
+              </a:rPr>
+              <a:t>Man upplever att det finns betalningsmetoder man helt enkelt inte kan använda. Därför ovilja att byta.</a:t>
+            </a:r>
             <a:endParaRPr b="0" lang="sv-SE" sz="2000" strike="noStrike" u="none">
               <a:solidFill>
                 <a:srgbClr val="000000"/>
@@ -630,7 +1906,7 @@
         <p:txBody>
           <a:bodyPr/>
           <a:p>
-            <a:fld id="{401ED44C-A9AF-4840-AC42-CB9C58F4F214}" type="slidenum">
+            <a:fld id="{8D6B838C-5DDC-4EF5-BD78-D9DDDC652A69}" type="slidenum">
               <a:t>&lt;#&gt;</a:t>
             </a:fld>
           </a:p>
@@ -842,7 +2118,7 @@
         <p:txBody>
           <a:bodyPr/>
           <a:p>
-            <a:fld id="{3D219A51-7BBC-4D6C-8EA3-D1FB8AF91B0B}" type="slidenum">
+            <a:fld id="{00916AD7-FD5D-4229-BEC8-DF67E9A0D754}" type="slidenum">
               <a:t>&lt;#&gt;</a:t>
             </a:fld>
           </a:p>
@@ -1010,7 +2286,7 @@
         <p:txBody>
           <a:bodyPr/>
           <a:p>
-            <a:fld id="{27F9E238-ADED-4341-88F6-BC947C456A6F}" type="slidenum">
+            <a:fld id="{BDB2AF7E-9D09-4272-B492-FE968548E9BD}" type="slidenum">
               <a:t>&lt;#&gt;</a:t>
             </a:fld>
           </a:p>
@@ -1518,7 +2794,7 @@
             <a:pPr indent="0" algn="r">
               <a:buNone/>
             </a:pPr>
-            <a:fld id="{EE9E5DF3-55DA-470C-8EA9-84810B2CF101}" type="slidenum">
+            <a:fld id="{EA5397E1-A3EE-4A75-868D-2402D52878F6}" type="slidenum">
               <a:rPr b="0" lang="sv-SE" sz="1400" strike="noStrike" u="none">
                 <a:solidFill>
                   <a:srgbClr val="000000"/>
